--- a/Présentation projet.pptx
+++ b/Présentation projet.pptx
@@ -5,15 +5,14 @@
     <p:sldMasterId id="2147483672" r:id="rId1"/>
   </p:sldMasterIdLst>
   <p:notesMasterIdLst>
-    <p:notesMasterId r:id="rId8"/>
+    <p:notesMasterId r:id="rId7"/>
   </p:notesMasterIdLst>
   <p:sldIdLst>
     <p:sldId id="256" r:id="rId2"/>
     <p:sldId id="259" r:id="rId3"/>
     <p:sldId id="257" r:id="rId4"/>
-    <p:sldId id="258" r:id="rId5"/>
-    <p:sldId id="261" r:id="rId6"/>
-    <p:sldId id="260" r:id="rId7"/>
+    <p:sldId id="261" r:id="rId5"/>
+    <p:sldId id="260" r:id="rId6"/>
   </p:sldIdLst>
   <p:sldSz cx="9144000" cy="6858000" type="screen4x3"/>
   <p:notesSz cx="6858000" cy="9144000"/>
@@ -112,6 +111,22 @@
       </a:defRPr>
     </a:lvl9pPr>
   </p:defaultTextStyle>
+  <p:extLst>
+    <p:ext uri="{EFAFB233-063F-42B5-8137-9DF3F51BA10A}">
+      <p15:sldGuideLst xmlns:p15="http://schemas.microsoft.com/office/powerpoint/2012/main">
+        <p15:guide id="1" orient="horz" pos="2160">
+          <p15:clr>
+            <a:srgbClr val="A4A3A4"/>
+          </p15:clr>
+        </p15:guide>
+        <p15:guide id="2" pos="2880">
+          <p15:clr>
+            <a:srgbClr val="A4A3A4"/>
+          </p15:clr>
+        </p15:guide>
+      </p15:sldGuideLst>
+    </p:ext>
+  </p:extLst>
 </p:presentation>
 </file>
 
@@ -197,7 +212,7 @@
           <a:p>
             <a:fld id="{83A681C1-E55D-41D1-9911-1F75F906D63F}" type="datetimeFigureOut">
               <a:rPr lang="fr-FR" smtClean="0"/>
-              <a:t>04/04/2014</a:t>
+              <a:t>18/12/2015</a:t>
             </a:fld>
             <a:endParaRPr lang="fr-FR"/>
           </a:p>
@@ -653,7 +668,7 @@
           <a:p>
             <a:fld id="{7244255A-6128-42AA-A3BF-A3D36E8F2AB9}" type="datetime1">
               <a:rPr lang="fr-FR" smtClean="0"/>
-              <a:t>04/04/2014</a:t>
+              <a:t>18/12/2015</a:t>
             </a:fld>
             <a:endParaRPr lang="fr-BE"/>
           </a:p>
@@ -853,7 +868,7 @@
           <a:p>
             <a:fld id="{795C9EAD-1380-4F92-8163-3903363122C8}" type="datetime1">
               <a:rPr lang="fr-FR" smtClean="0"/>
-              <a:t>04/04/2014</a:t>
+              <a:t>18/12/2015</a:t>
             </a:fld>
             <a:endParaRPr lang="fr-BE"/>
           </a:p>
@@ -1028,7 +1043,7 @@
           <a:p>
             <a:fld id="{27E5E701-2DCC-40C1-82AE-3B4612C05C71}" type="datetime1">
               <a:rPr lang="fr-FR" smtClean="0"/>
-              <a:t>04/04/2014</a:t>
+              <a:t>18/12/2015</a:t>
             </a:fld>
             <a:endParaRPr lang="fr-BE"/>
           </a:p>
@@ -1193,7 +1208,7 @@
           <a:p>
             <a:fld id="{32CA74AC-8E85-4402-A4D7-E18609F4EEF6}" type="datetime1">
               <a:rPr lang="fr-FR" smtClean="0"/>
-              <a:t>04/04/2014</a:t>
+              <a:t>18/12/2015</a:t>
             </a:fld>
             <a:endParaRPr lang="fr-BE"/>
           </a:p>
@@ -1441,7 +1456,7 @@
           <a:p>
             <a:fld id="{AD0AC0B4-0F81-41CF-BC94-B967528E6593}" type="datetime1">
               <a:rPr lang="fr-FR" smtClean="0"/>
-              <a:t>04/04/2014</a:t>
+              <a:t>18/12/2015</a:t>
             </a:fld>
             <a:endParaRPr lang="fr-BE"/>
           </a:p>
@@ -1759,7 +1774,7 @@
           <a:p>
             <a:fld id="{35CCE22F-D52C-4C42-BFEC-70D281D93B64}" type="datetime1">
               <a:rPr lang="fr-FR" smtClean="0"/>
-              <a:t>04/04/2014</a:t>
+              <a:t>18/12/2015</a:t>
             </a:fld>
             <a:endParaRPr lang="fr-BE"/>
           </a:p>
@@ -2225,7 +2240,7 @@
           <a:p>
             <a:fld id="{0C7A8FA7-66ED-462B-BBD0-688E52742712}" type="datetime1">
               <a:rPr lang="fr-FR" smtClean="0"/>
-              <a:t>04/04/2014</a:t>
+              <a:t>18/12/2015</a:t>
             </a:fld>
             <a:endParaRPr lang="fr-BE"/>
           </a:p>
@@ -2373,7 +2388,7 @@
           <a:p>
             <a:fld id="{8EBC296D-0A6F-4129-AE0E-F6BB82E97C56}" type="datetime1">
               <a:rPr lang="fr-FR" smtClean="0"/>
-              <a:t>04/04/2014</a:t>
+              <a:t>18/12/2015</a:t>
             </a:fld>
             <a:endParaRPr lang="fr-BE"/>
           </a:p>
@@ -2463,7 +2478,7 @@
           <a:p>
             <a:fld id="{C2A2FDBC-7A19-4308-8886-A4F97E1B4459}" type="datetime1">
               <a:rPr lang="fr-FR" smtClean="0"/>
-              <a:t>04/04/2014</a:t>
+              <a:t>18/12/2015</a:t>
             </a:fld>
             <a:endParaRPr lang="fr-BE"/>
           </a:p>
@@ -2737,7 +2752,7 @@
           <a:p>
             <a:fld id="{25EADAE3-AB47-4A9C-9E4F-A95A29C0B70D}" type="datetime1">
               <a:rPr lang="fr-FR" smtClean="0"/>
-              <a:t>04/04/2014</a:t>
+              <a:t>18/12/2015</a:t>
             </a:fld>
             <a:endParaRPr lang="fr-BE"/>
           </a:p>
@@ -3042,7 +3057,7 @@
           <a:p>
             <a:fld id="{11F69F10-70C9-45FA-8D0B-CE6B1B4D12A8}" type="datetime1">
               <a:rPr lang="fr-FR" smtClean="0"/>
-              <a:t>04/04/2014</a:t>
+              <a:t>18/12/2015</a:t>
             </a:fld>
             <a:endParaRPr lang="fr-BE"/>
           </a:p>
@@ -3340,7 +3355,7 @@
           <a:p>
             <a:fld id="{7CAA56D5-AA1C-41A6-8AEC-8678B2A3641A}" type="datetime1">
               <a:rPr lang="fr-FR" smtClean="0"/>
-              <a:t>04/04/2014</a:t>
+              <a:t>18/12/2015</a:t>
             </a:fld>
             <a:endParaRPr lang="fr-BE"/>
           </a:p>
@@ -3759,15 +3774,7 @@
             </a:r>
             <a:r>
               <a:rPr lang="en-US" dirty="0" smtClean="0"/>
-              <a:t> </a:t>
-            </a:r>
-            <a:r>
-              <a:rPr lang="en-US" dirty="0" smtClean="0"/>
-              <a:t>WEB</a:t>
-            </a:r>
-            <a:r>
-              <a:rPr lang="en-US" dirty="0" smtClean="0"/>
-              <a:t/>
+              <a:t> WEB</a:t>
             </a:r>
             <a:br>
               <a:rPr lang="en-US" dirty="0" smtClean="0"/>
@@ -3832,13 +3839,6 @@
   <p:clrMapOvr>
     <a:masterClrMapping/>
   </p:clrMapOvr>
-  <p:timing>
-    <p:tnLst>
-      <p:par>
-        <p:cTn id="1" dur="indefinite" restart="never" nodeType="tmRoot"/>
-      </p:par>
-    </p:tnLst>
-  </p:timing>
 </p:sld>
 </file>
 
@@ -3922,7 +3922,6 @@
               <a:rPr lang="fr-FR" dirty="0" smtClean="0"/>
               <a:t>J’ai préféré me concentrer sur les fonctionnalités avant de m’occuper de l’apparence du site:</a:t>
             </a:r>
-            <a:endParaRPr lang="fr-FR" dirty="0" smtClean="0"/>
           </a:p>
           <a:p>
             <a:r>
@@ -3979,7 +3978,6 @@
               <a:rPr lang="fr-FR" dirty="0" smtClean="0"/>
               <a:t>Possibilités d’effacer les scores.</a:t>
             </a:r>
-            <a:endParaRPr lang="fr-FR" dirty="0" smtClean="0"/>
           </a:p>
         </p:txBody>
       </p:sp>
@@ -4016,13 +4014,6 @@
   <p:clrMapOvr>
     <a:masterClrMapping/>
   </p:clrMapOvr>
-  <p:timing>
-    <p:tnLst>
-      <p:par>
-        <p:cTn id="1" dur="indefinite" restart="never" nodeType="tmRoot"/>
-      </p:par>
-    </p:tnLst>
-  </p:timing>
 </p:sld>
 </file>
 
@@ -4122,10 +4113,34 @@
                 <a:tableStyleId>{5C22544A-7EE6-4342-B048-85BDC9FD1C3A}</a:tableStyleId>
               </a:tblPr>
               <a:tblGrid>
-                <a:gridCol w="2034226"/>
-                <a:gridCol w="2034226"/>
-                <a:gridCol w="2034226"/>
-                <a:gridCol w="2034226"/>
+                <a:gridCol w="2034226">
+                  <a:extLst>
+                    <a:ext uri="{9D8B030D-6E8A-4147-A177-3AD203B41FA5}">
+                      <a16:colId xmlns:a16="http://schemas.microsoft.com/office/drawing/2014/main" val="20000"/>
+                    </a:ext>
+                  </a:extLst>
+                </a:gridCol>
+                <a:gridCol w="2034226">
+                  <a:extLst>
+                    <a:ext uri="{9D8B030D-6E8A-4147-A177-3AD203B41FA5}">
+                      <a16:colId xmlns:a16="http://schemas.microsoft.com/office/drawing/2014/main" val="20001"/>
+                    </a:ext>
+                  </a:extLst>
+                </a:gridCol>
+                <a:gridCol w="2034226">
+                  <a:extLst>
+                    <a:ext uri="{9D8B030D-6E8A-4147-A177-3AD203B41FA5}">
+                      <a16:colId xmlns:a16="http://schemas.microsoft.com/office/drawing/2014/main" val="20002"/>
+                    </a:ext>
+                  </a:extLst>
+                </a:gridCol>
+                <a:gridCol w="2034226">
+                  <a:extLst>
+                    <a:ext uri="{9D8B030D-6E8A-4147-A177-3AD203B41FA5}">
+                      <a16:colId xmlns:a16="http://schemas.microsoft.com/office/drawing/2014/main" val="20003"/>
+                    </a:ext>
+                  </a:extLst>
+                </a:gridCol>
               </a:tblGrid>
               <a:tr h="692184">
                 <a:tc>
@@ -4184,6 +4199,11 @@
                   </a:txBody>
                   <a:tcPr/>
                 </a:tc>
+                <a:extLst>
+                  <a:ext uri="{0D108BD9-81ED-4DB2-BD59-A6C34878D82A}">
+                    <a16:rowId xmlns:a16="http://schemas.microsoft.com/office/drawing/2014/main" val="10000"/>
+                  </a:ext>
+                </a:extLst>
               </a:tr>
               <a:tr h="705376">
                 <a:tc>
@@ -4246,6 +4266,11 @@
                   </a:txBody>
                   <a:tcPr/>
                 </a:tc>
+                <a:extLst>
+                  <a:ext uri="{0D108BD9-81ED-4DB2-BD59-A6C34878D82A}">
+                    <a16:rowId xmlns:a16="http://schemas.microsoft.com/office/drawing/2014/main" val="10001"/>
+                  </a:ext>
+                </a:extLst>
               </a:tr>
               <a:tr h="792088">
                 <a:tc>
@@ -4308,6 +4333,11 @@
                   </a:txBody>
                   <a:tcPr/>
                 </a:tc>
+                <a:extLst>
+                  <a:ext uri="{0D108BD9-81ED-4DB2-BD59-A6C34878D82A}">
+                    <a16:rowId xmlns:a16="http://schemas.microsoft.com/office/drawing/2014/main" val="10002"/>
+                  </a:ext>
+                </a:extLst>
               </a:tr>
               <a:tr h="692184">
                 <a:tc>
@@ -4387,6 +4417,11 @@
                   </a:txBody>
                   <a:tcPr/>
                 </a:tc>
+                <a:extLst>
+                  <a:ext uri="{0D108BD9-81ED-4DB2-BD59-A6C34878D82A}">
+                    <a16:rowId xmlns:a16="http://schemas.microsoft.com/office/drawing/2014/main" val="10003"/>
+                  </a:ext>
+                </a:extLst>
               </a:tr>
               <a:tr h="692184">
                 <a:tc>
@@ -4445,6 +4480,11 @@
                   </a:txBody>
                   <a:tcPr/>
                 </a:tc>
+                <a:extLst>
+                  <a:ext uri="{0D108BD9-81ED-4DB2-BD59-A6C34878D82A}">
+                    <a16:rowId xmlns:a16="http://schemas.microsoft.com/office/drawing/2014/main" val="10004"/>
+                  </a:ext>
+                </a:extLst>
               </a:tr>
               <a:tr h="818472">
                 <a:tc>
@@ -4499,6 +4539,11 @@
                   </a:txBody>
                   <a:tcPr/>
                 </a:tc>
+                <a:extLst>
+                  <a:ext uri="{0D108BD9-81ED-4DB2-BD59-A6C34878D82A}">
+                    <a16:rowId xmlns:a16="http://schemas.microsoft.com/office/drawing/2014/main" val="10005"/>
+                  </a:ext>
+                </a:extLst>
               </a:tr>
             </a:tbl>
           </a:graphicData>
@@ -4514,13 +4559,6 @@
   <p:clrMapOvr>
     <a:masterClrMapping/>
   </p:clrMapOvr>
-  <p:timing>
-    <p:tnLst>
-      <p:par>
-        <p:cTn id="1" dur="indefinite" restart="never" nodeType="tmRoot"/>
-      </p:par>
-    </p:tnLst>
-  </p:timing>
 </p:sld>
 </file>
 
@@ -4543,7 +4581,7 @@
       </p:grpSpPr>
       <p:sp>
         <p:nvSpPr>
-          <p:cNvPr id="2" name="Titre 1"/>
+          <p:cNvPr id="7" name="Titre 6"/>
           <p:cNvSpPr>
             <a:spLocks noGrp="1"/>
           </p:cNvSpPr>
@@ -4558,11 +4596,7 @@
           <a:p>
             <a:r>
               <a:rPr lang="en-US" dirty="0" err="1" smtClean="0"/>
-              <a:t>Problèmes</a:t>
-            </a:r>
-            <a:r>
-              <a:rPr lang="en-US" dirty="0" smtClean="0"/>
-              <a:t>/Solutions</a:t>
+              <a:t>Démo</a:t>
             </a:r>
             <a:endParaRPr lang="en-US" dirty="0"/>
           </a:p>
@@ -4570,12 +4604,12 @@
       </p:sp>
       <p:sp>
         <p:nvSpPr>
-          <p:cNvPr id="3" name="Espace réservé du texte 2"/>
-          <p:cNvSpPr>
-            <a:spLocks noGrp="1"/>
-          </p:cNvSpPr>
-          <p:nvPr>
-            <p:ph type="body" idx="1"/>
+          <p:cNvPr id="8" name="Espace réservé du contenu 7"/>
+          <p:cNvSpPr>
+            <a:spLocks noGrp="1"/>
+          </p:cNvSpPr>
+          <p:nvPr>
+            <p:ph idx="1"/>
           </p:nvPr>
         </p:nvSpPr>
         <p:spPr/>
@@ -4583,101 +4617,97 @@
           <a:bodyPr/>
           <a:lstStyle/>
           <a:p>
-            <a:r>
-              <a:rPr lang="en-US" dirty="0" err="1" smtClean="0"/>
-              <a:t>Problèmes</a:t>
-            </a:r>
-            <a:r>
-              <a:rPr lang="en-US" dirty="0" smtClean="0"/>
+            <a:pPr marL="0" indent="0">
+              <a:buNone/>
+            </a:pPr>
+            <a:r>
+              <a:rPr lang="en-US" i="1" dirty="0" smtClean="0"/>
+              <a:t>(</a:t>
+            </a:r>
+            <a:r>
+              <a:rPr lang="en-US" i="1" dirty="0" err="1" smtClean="0"/>
+              <a:t>Insérer</a:t>
+            </a:r>
+            <a:r>
+              <a:rPr lang="en-US" i="1" dirty="0" smtClean="0"/>
+              <a:t> 2 copies </a:t>
+            </a:r>
+            <a:r>
+              <a:rPr lang="en-US" i="1" dirty="0" err="1" smtClean="0"/>
+              <a:t>d’écran</a:t>
+            </a:r>
+            <a:r>
+              <a:rPr lang="en-US" i="1" dirty="0" smtClean="0"/>
               <a:t> </a:t>
             </a:r>
             <a:r>
-              <a:rPr lang="en-US" dirty="0" err="1" smtClean="0"/>
-              <a:t>rencontrés</a:t>
-            </a:r>
-            <a:endParaRPr lang="en-US" dirty="0"/>
-          </a:p>
-        </p:txBody>
-      </p:sp>
-      <p:sp>
-        <p:nvSpPr>
-          <p:cNvPr id="4" name="Espace réservé du contenu 3"/>
-          <p:cNvSpPr>
-            <a:spLocks noGrp="1"/>
-          </p:cNvSpPr>
-          <p:nvPr>
-            <p:ph sz="half" idx="2"/>
-          </p:nvPr>
-        </p:nvSpPr>
-        <p:spPr/>
-        <p:txBody>
-          <a:bodyPr/>
-          <a:lstStyle/>
+              <a:rPr lang="en-US" i="1" dirty="0" err="1" smtClean="0"/>
+              <a:t>sur</a:t>
+            </a:r>
+            <a:r>
+              <a:rPr lang="en-US" i="1" dirty="0" smtClean="0"/>
+              <a:t> </a:t>
+            </a:r>
+            <a:r>
+              <a:rPr lang="en-US" i="1" dirty="0" err="1" smtClean="0"/>
+              <a:t>cette</a:t>
+            </a:r>
+            <a:r>
+              <a:rPr lang="en-US" i="1" dirty="0" smtClean="0"/>
+              <a:t> </a:t>
+            </a:r>
+            <a:r>
+              <a:rPr lang="en-US" i="1" dirty="0" err="1" smtClean="0"/>
+              <a:t>planche</a:t>
+            </a:r>
+            <a:r>
+              <a:rPr lang="en-US" i="1" dirty="0" smtClean="0"/>
+              <a:t>)</a:t>
+            </a:r>
+          </a:p>
           <a:p>
             <a:pPr marL="0" indent="0">
               <a:buNone/>
             </a:pPr>
-            <a:endParaRPr lang="en-US" dirty="0">
-              <a:solidFill>
-                <a:srgbClr val="FF0000"/>
-              </a:solidFill>
-            </a:endParaRPr>
-          </a:p>
-        </p:txBody>
-      </p:sp>
-      <p:sp>
-        <p:nvSpPr>
-          <p:cNvPr id="5" name="Espace réservé du texte 4"/>
-          <p:cNvSpPr>
-            <a:spLocks noGrp="1"/>
-          </p:cNvSpPr>
-          <p:nvPr>
-            <p:ph type="body" sz="quarter" idx="3"/>
-          </p:nvPr>
-        </p:nvSpPr>
-        <p:spPr/>
-        <p:txBody>
-          <a:bodyPr/>
-          <a:lstStyle/>
-          <a:p>
-            <a:r>
-              <a:rPr lang="en-US" dirty="0" smtClean="0"/>
-              <a:t>Solutions </a:t>
-            </a:r>
-            <a:r>
-              <a:rPr lang="en-US" dirty="0" err="1" smtClean="0"/>
-              <a:t>mises</a:t>
-            </a:r>
-            <a:r>
-              <a:rPr lang="en-US" dirty="0" smtClean="0"/>
-              <a:t> en place</a:t>
-            </a:r>
-            <a:endParaRPr lang="en-US" dirty="0"/>
-          </a:p>
-        </p:txBody>
-      </p:sp>
-      <p:sp>
-        <p:nvSpPr>
-          <p:cNvPr id="6" name="Espace réservé du contenu 5"/>
-          <p:cNvSpPr>
-            <a:spLocks noGrp="1"/>
-          </p:cNvSpPr>
-          <p:nvPr>
-            <p:ph sz="quarter" idx="4"/>
-          </p:nvPr>
-        </p:nvSpPr>
-        <p:spPr/>
-        <p:txBody>
-          <a:bodyPr/>
-          <a:lstStyle/>
-          <a:p>
-            <a:endParaRPr lang="en-US"/>
-          </a:p>
-        </p:txBody>
-      </p:sp>
-      <p:sp>
-        <p:nvSpPr>
-          <p:cNvPr id="7" name="Espace réservé du numéro de diapositive 6"/>
+            <a:endParaRPr lang="en-US" i="1" dirty="0"/>
+          </a:p>
+          <a:p>
+            <a:pPr marL="0" indent="0">
+              <a:buNone/>
+            </a:pPr>
+            <a:r>
+              <a:rPr lang="en-US" i="1" dirty="0" err="1"/>
+              <a:t>Montrez</a:t>
+            </a:r>
+            <a:r>
+              <a:rPr lang="en-US" i="1" dirty="0"/>
+              <a:t> </a:t>
+            </a:r>
+            <a:r>
+              <a:rPr lang="en-US" i="1" dirty="0" err="1"/>
+              <a:t>votre</a:t>
+            </a:r>
+            <a:r>
+              <a:rPr lang="en-US" i="1" dirty="0"/>
+              <a:t> application </a:t>
+            </a:r>
+            <a:r>
+              <a:rPr lang="en-US" i="1" dirty="0" err="1"/>
+              <a:t>fonctionner</a:t>
+            </a:r>
+            <a:endParaRPr lang="en-US" i="1" dirty="0"/>
+          </a:p>
+          <a:p>
+            <a:pPr marL="0" indent="0">
+              <a:buNone/>
+            </a:pPr>
+            <a:endParaRPr lang="en-US" i="1" dirty="0"/>
+          </a:p>
+        </p:txBody>
+      </p:sp>
+      <p:sp>
+        <p:nvSpPr>
+          <p:cNvPr id="9" name="Espace réservé du numéro de diapositive 8"/>
           <p:cNvSpPr>
             <a:spLocks noGrp="1"/>
           </p:cNvSpPr>
@@ -4693,192 +4723,6 @@
             <a:fld id="{CF4668DC-857F-487D-BFFA-8C0CA5037977}" type="slidenum">
               <a:rPr lang="fr-BE" smtClean="0"/>
               <a:t>4</a:t>
-            </a:fld>
-            <a:endParaRPr lang="fr-BE"/>
-          </a:p>
-        </p:txBody>
-      </p:sp>
-    </p:spTree>
-    <p:extLst>
-      <p:ext uri="{BB962C8B-B14F-4D97-AF65-F5344CB8AC3E}">
-        <p14:creationId xmlns:p14="http://schemas.microsoft.com/office/powerpoint/2010/main" val="198902136"/>
-      </p:ext>
-    </p:extLst>
-  </p:cSld>
-  <p:clrMapOvr>
-    <a:masterClrMapping/>
-  </p:clrMapOvr>
-  <p:timing>
-    <p:tnLst>
-      <p:par>
-        <p:cTn id="1" dur="indefinite" restart="never" nodeType="tmRoot"/>
-      </p:par>
-    </p:tnLst>
-  </p:timing>
-</p:sld>
-</file>
-
-<file path=ppt/slides/slide5.xml><?xml version="1.0" encoding="utf-8"?>
-<p:sld xmlns:a="http://schemas.openxmlformats.org/drawingml/2006/main" xmlns:r="http://schemas.openxmlformats.org/officeDocument/2006/relationships" xmlns:p="http://schemas.openxmlformats.org/presentationml/2006/main">
-  <p:cSld>
-    <p:spTree>
-      <p:nvGrpSpPr>
-        <p:cNvPr id="1" name=""/>
-        <p:cNvGrpSpPr/>
-        <p:nvPr/>
-      </p:nvGrpSpPr>
-      <p:grpSpPr>
-        <a:xfrm>
-          <a:off x="0" y="0"/>
-          <a:ext cx="0" cy="0"/>
-          <a:chOff x="0" y="0"/>
-          <a:chExt cx="0" cy="0"/>
-        </a:xfrm>
-      </p:grpSpPr>
-      <p:sp>
-        <p:nvSpPr>
-          <p:cNvPr id="7" name="Titre 6"/>
-          <p:cNvSpPr>
-            <a:spLocks noGrp="1"/>
-          </p:cNvSpPr>
-          <p:nvPr>
-            <p:ph type="title"/>
-          </p:nvPr>
-        </p:nvSpPr>
-        <p:spPr/>
-        <p:txBody>
-          <a:bodyPr/>
-          <a:lstStyle/>
-          <a:p>
-            <a:r>
-              <a:rPr lang="en-US" dirty="0" err="1" smtClean="0"/>
-              <a:t>Démo</a:t>
-            </a:r>
-            <a:endParaRPr lang="en-US" dirty="0"/>
-          </a:p>
-        </p:txBody>
-      </p:sp>
-      <p:sp>
-        <p:nvSpPr>
-          <p:cNvPr id="8" name="Espace réservé du contenu 7"/>
-          <p:cNvSpPr>
-            <a:spLocks noGrp="1"/>
-          </p:cNvSpPr>
-          <p:nvPr>
-            <p:ph idx="1"/>
-          </p:nvPr>
-        </p:nvSpPr>
-        <p:spPr/>
-        <p:txBody>
-          <a:bodyPr/>
-          <a:lstStyle/>
-          <a:p>
-            <a:pPr marL="0" indent="0">
-              <a:buNone/>
-            </a:pPr>
-            <a:r>
-              <a:rPr lang="en-US" i="1" dirty="0" smtClean="0"/>
-              <a:t>(</a:t>
-            </a:r>
-            <a:r>
-              <a:rPr lang="en-US" i="1" dirty="0" err="1" smtClean="0"/>
-              <a:t>Insérer</a:t>
-            </a:r>
-            <a:r>
-              <a:rPr lang="en-US" i="1" dirty="0" smtClean="0"/>
-              <a:t> 2 copies </a:t>
-            </a:r>
-            <a:r>
-              <a:rPr lang="en-US" i="1" dirty="0" err="1" smtClean="0"/>
-              <a:t>d’écran</a:t>
-            </a:r>
-            <a:r>
-              <a:rPr lang="en-US" i="1" dirty="0" smtClean="0"/>
-              <a:t> </a:t>
-            </a:r>
-            <a:r>
-              <a:rPr lang="en-US" i="1" dirty="0" err="1" smtClean="0"/>
-              <a:t>sur</a:t>
-            </a:r>
-            <a:r>
-              <a:rPr lang="en-US" i="1" dirty="0" smtClean="0"/>
-              <a:t> </a:t>
-            </a:r>
-            <a:r>
-              <a:rPr lang="en-US" i="1" dirty="0" err="1" smtClean="0"/>
-              <a:t>cette</a:t>
-            </a:r>
-            <a:r>
-              <a:rPr lang="en-US" i="1" dirty="0" smtClean="0"/>
-              <a:t> </a:t>
-            </a:r>
-            <a:r>
-              <a:rPr lang="en-US" i="1" dirty="0" err="1" smtClean="0"/>
-              <a:t>planche</a:t>
-            </a:r>
-            <a:r>
-              <a:rPr lang="en-US" i="1" dirty="0" smtClean="0"/>
-              <a:t>)</a:t>
-            </a:r>
-          </a:p>
-          <a:p>
-            <a:pPr marL="0" indent="0">
-              <a:buNone/>
-            </a:pPr>
-            <a:endParaRPr lang="en-US" i="1" dirty="0"/>
-          </a:p>
-          <a:p>
-            <a:pPr marL="0" indent="0">
-              <a:buNone/>
-            </a:pPr>
-            <a:r>
-              <a:rPr lang="en-US" i="1" dirty="0" err="1"/>
-              <a:t>Montrez</a:t>
-            </a:r>
-            <a:r>
-              <a:rPr lang="en-US" i="1" dirty="0"/>
-              <a:t> </a:t>
-            </a:r>
-            <a:r>
-              <a:rPr lang="en-US" i="1" dirty="0" err="1"/>
-              <a:t>votre</a:t>
-            </a:r>
-            <a:r>
-              <a:rPr lang="en-US" i="1" dirty="0"/>
-              <a:t> application </a:t>
-            </a:r>
-            <a:r>
-              <a:rPr lang="en-US" i="1" dirty="0" err="1"/>
-              <a:t>fonctionner</a:t>
-            </a:r>
-            <a:endParaRPr lang="en-US" i="1" dirty="0"/>
-          </a:p>
-          <a:p>
-            <a:pPr marL="0" indent="0">
-              <a:buNone/>
-            </a:pPr>
-            <a:endParaRPr lang="en-US" i="1" dirty="0"/>
-          </a:p>
-        </p:txBody>
-      </p:sp>
-      <p:sp>
-        <p:nvSpPr>
-          <p:cNvPr id="9" name="Espace réservé du numéro de diapositive 8"/>
-          <p:cNvSpPr>
-            <a:spLocks noGrp="1"/>
-          </p:cNvSpPr>
-          <p:nvPr>
-            <p:ph type="sldNum" sz="quarter" idx="12"/>
-          </p:nvPr>
-        </p:nvSpPr>
-        <p:spPr/>
-        <p:txBody>
-          <a:bodyPr/>
-          <a:lstStyle/>
-          <a:p>
-            <a:fld id="{CF4668DC-857F-487D-BFFA-8C0CA5037977}" type="slidenum">
-              <a:rPr lang="fr-BE" smtClean="0"/>
-              <a:t>5</a:t>
             </a:fld>
             <a:endParaRPr lang="fr-BE"/>
           </a:p>
@@ -4924,17 +4768,10 @@
   <p:clrMapOvr>
     <a:masterClrMapping/>
   </p:clrMapOvr>
-  <p:timing>
-    <p:tnLst>
-      <p:par>
-        <p:cTn id="1" dur="indefinite" restart="never" nodeType="tmRoot"/>
-      </p:par>
-    </p:tnLst>
-  </p:timing>
 </p:sld>
 </file>
 
-<file path=ppt/slides/slide6.xml><?xml version="1.0" encoding="utf-8"?>
+<file path=ppt/slides/slide5.xml><?xml version="1.0" encoding="utf-8"?>
 <p:sld xmlns:a="http://schemas.openxmlformats.org/drawingml/2006/main" xmlns:r="http://schemas.openxmlformats.org/officeDocument/2006/relationships" xmlns:p="http://schemas.openxmlformats.org/presentationml/2006/main">
   <p:cSld>
     <p:spTree>
@@ -5239,7 +5076,7 @@
           <a:p>
             <a:fld id="{CF4668DC-857F-487D-BFFA-8C0CA5037977}" type="slidenum">
               <a:rPr lang="fr-BE" smtClean="0"/>
-              <a:t>6</a:t>
+              <a:t>5</a:t>
             </a:fld>
             <a:endParaRPr lang="fr-BE"/>
           </a:p>
@@ -5255,13 +5092,6 @@
   <p:clrMapOvr>
     <a:masterClrMapping/>
   </p:clrMapOvr>
-  <p:timing>
-    <p:tnLst>
-      <p:par>
-        <p:cTn id="1" dur="indefinite" restart="never" nodeType="tmRoot"/>
-      </p:par>
-    </p:tnLst>
-  </p:timing>
 </p:sld>
 </file>
 
